--- a/ext/share.pptx
+++ b/ext/share.pptx
@@ -5,12 +5,12 @@
     <p:sldMasterId id="2147483657" r:id="rId1"/>
   </p:sldMasterIdLst>
   <p:notesMasterIdLst>
-    <p:notesMasterId r:id="rId18"/>
+    <p:notesMasterId r:id="rId17"/>
   </p:notesMasterIdLst>
   <p:sldIdLst>
     <p:sldId id="256" r:id="rId2"/>
-    <p:sldId id="296" r:id="rId3"/>
-    <p:sldId id="285" r:id="rId4"/>
+    <p:sldId id="285" r:id="rId3"/>
+    <p:sldId id="309" r:id="rId4"/>
     <p:sldId id="297" r:id="rId5"/>
     <p:sldId id="298" r:id="rId6"/>
     <p:sldId id="299" r:id="rId7"/>
@@ -23,22 +23,21 @@
     <p:sldId id="304" r:id="rId14"/>
     <p:sldId id="307" r:id="rId15"/>
     <p:sldId id="279" r:id="rId16"/>
-    <p:sldId id="283" r:id="rId17"/>
   </p:sldIdLst>
   <p:sldSz cx="9144000" cy="6858000" type="screen4x3"/>
   <p:notesSz cx="6858000" cy="9144000"/>
   <p:embeddedFontLst>
     <p:embeddedFont>
       <p:font typeface="微软雅黑" panose="020B0503020204020204" pitchFamily="34" charset="-122"/>
-      <p:regular r:id="rId19"/>
-      <p:bold r:id="rId20"/>
+      <p:regular r:id="rId18"/>
+      <p:bold r:id="rId19"/>
     </p:embeddedFont>
     <p:embeddedFont>
       <p:font typeface="Cousine" panose="020B0604020202020204" charset="0"/>
-      <p:regular r:id="rId21"/>
-      <p:bold r:id="rId22"/>
-      <p:italic r:id="rId23"/>
-      <p:boldItalic r:id="rId24"/>
+      <p:regular r:id="rId20"/>
+      <p:bold r:id="rId21"/>
+      <p:italic r:id="rId22"/>
+      <p:boldItalic r:id="rId23"/>
     </p:embeddedFont>
   </p:embeddedFontLst>
   <p:defaultTextStyle>
@@ -836,115 +835,6 @@
   <p:cSld>
     <p:spTree>
       <p:nvGrpSpPr>
-        <p:cNvPr id="1" name="Shape 75"/>
-        <p:cNvGrpSpPr/>
-        <p:nvPr/>
-      </p:nvGrpSpPr>
-      <p:grpSpPr>
-        <a:xfrm>
-          <a:off x="0" y="0"/>
-          <a:ext cx="0" cy="0"/>
-          <a:chOff x="0" y="0"/>
-          <a:chExt cx="0" cy="0"/>
-        </a:xfrm>
-      </p:grpSpPr>
-      <p:sp>
-        <p:nvSpPr>
-          <p:cNvPr id="76" name="Google Shape;76;g35f391192_04:notes"/>
-          <p:cNvSpPr>
-            <a:spLocks noGrp="1" noRot="1" noChangeAspect="1"/>
-          </p:cNvSpPr>
-          <p:nvPr>
-            <p:ph type="sldImg" idx="2"/>
-          </p:nvPr>
-        </p:nvSpPr>
-        <p:spPr>
-          <a:xfrm>
-            <a:off x="1143000" y="685800"/>
-            <a:ext cx="4572000" cy="3429000"/>
-          </a:xfrm>
-          <a:custGeom>
-            <a:avLst/>
-            <a:gdLst/>
-            <a:ahLst/>
-            <a:cxnLst/>
-            <a:rect l="l" t="t" r="r" b="b"/>
-            <a:pathLst>
-              <a:path w="120000" h="120000" extrusionOk="0">
-                <a:moveTo>
-                  <a:pt x="0" y="0"/>
-                </a:moveTo>
-                <a:lnTo>
-                  <a:pt x="120000" y="0"/>
-                </a:lnTo>
-                <a:lnTo>
-                  <a:pt x="120000" y="120000"/>
-                </a:lnTo>
-                <a:lnTo>
-                  <a:pt x="0" y="120000"/>
-                </a:lnTo>
-                <a:close/>
-              </a:path>
-            </a:pathLst>
-          </a:custGeom>
-        </p:spPr>
-      </p:sp>
-      <p:sp>
-        <p:nvSpPr>
-          <p:cNvPr id="77" name="Google Shape;77;g35f391192_04:notes"/>
-          <p:cNvSpPr txBox="1">
-            <a:spLocks noGrp="1"/>
-          </p:cNvSpPr>
-          <p:nvPr>
-            <p:ph type="body" idx="1"/>
-          </p:nvPr>
-        </p:nvSpPr>
-        <p:spPr>
-          <a:xfrm>
-            <a:off x="685800" y="4343400"/>
-            <a:ext cx="5486400" cy="4114800"/>
-          </a:xfrm>
-          <a:prstGeom prst="rect">
-            <a:avLst/>
-          </a:prstGeom>
-        </p:spPr>
-        <p:txBody>
-          <a:bodyPr spcFirstLastPara="1" wrap="square" lIns="91425" tIns="91425" rIns="91425" bIns="91425" anchor="t" anchorCtr="0">
-            <a:noAutofit/>
-          </a:bodyPr>
-          <a:lstStyle/>
-          <a:p>
-            <a:pPr marL="0" lvl="0" indent="0" algn="l" rtl="0">
-              <a:spcBef>
-                <a:spcPts val="0"/>
-              </a:spcBef>
-              <a:spcAft>
-                <a:spcPts val="0"/>
-              </a:spcAft>
-              <a:buNone/>
-            </a:pPr>
-            <a:endParaRPr/>
-          </a:p>
-        </p:txBody>
-      </p:sp>
-    </p:spTree>
-    <p:extLst>
-      <p:ext uri="{BB962C8B-B14F-4D97-AF65-F5344CB8AC3E}">
-        <p14:creationId xmlns:p14="http://schemas.microsoft.com/office/powerpoint/2010/main" val="3182288817"/>
-      </p:ext>
-    </p:extLst>
-  </p:cSld>
-  <p:clrMapOvr>
-    <a:masterClrMapping/>
-  </p:clrMapOvr>
-</p:notes>
-</file>
-
-<file path=ppt/notesSlides/notesSlide3.xml><?xml version="1.0" encoding="utf-8"?>
-<p:notes xmlns:a="http://schemas.openxmlformats.org/drawingml/2006/main" xmlns:r="http://schemas.openxmlformats.org/officeDocument/2006/relationships" xmlns:p="http://schemas.openxmlformats.org/presentationml/2006/main" showMasterSp="0" showMasterPhAnim="0">
-  <p:cSld>
-    <p:spTree>
-      <p:nvGrpSpPr>
         <p:cNvPr id="1" name="Shape 321"/>
         <p:cNvGrpSpPr/>
         <p:nvPr/>
@@ -1040,115 +930,6 @@
     <p:extLst>
       <p:ext uri="{BB962C8B-B14F-4D97-AF65-F5344CB8AC3E}">
         <p14:creationId xmlns:p14="http://schemas.microsoft.com/office/powerpoint/2010/main" val="4252543351"/>
-      </p:ext>
-    </p:extLst>
-  </p:cSld>
-  <p:clrMapOvr>
-    <a:masterClrMapping/>
-  </p:clrMapOvr>
-</p:notes>
-</file>
-
-<file path=ppt/notesSlides/notesSlide4.xml><?xml version="1.0" encoding="utf-8"?>
-<p:notes xmlns:a="http://schemas.openxmlformats.org/drawingml/2006/main" xmlns:r="http://schemas.openxmlformats.org/officeDocument/2006/relationships" xmlns:p="http://schemas.openxmlformats.org/presentationml/2006/main" showMasterSp="0" showMasterPhAnim="0">
-  <p:cSld>
-    <p:spTree>
-      <p:nvGrpSpPr>
-        <p:cNvPr id="1" name="Shape 434"/>
-        <p:cNvGrpSpPr/>
-        <p:nvPr/>
-      </p:nvGrpSpPr>
-      <p:grpSpPr>
-        <a:xfrm>
-          <a:off x="0" y="0"/>
-          <a:ext cx="0" cy="0"/>
-          <a:chOff x="0" y="0"/>
-          <a:chExt cx="0" cy="0"/>
-        </a:xfrm>
-      </p:grpSpPr>
-      <p:sp>
-        <p:nvSpPr>
-          <p:cNvPr id="435" name="Google Shape;435;g14721ea9db_19_1:notes"/>
-          <p:cNvSpPr>
-            <a:spLocks noGrp="1" noRot="1" noChangeAspect="1"/>
-          </p:cNvSpPr>
-          <p:nvPr>
-            <p:ph type="sldImg" idx="2"/>
-          </p:nvPr>
-        </p:nvSpPr>
-        <p:spPr>
-          <a:xfrm>
-            <a:off x="1143000" y="685800"/>
-            <a:ext cx="4572000" cy="3429000"/>
-          </a:xfrm>
-          <a:custGeom>
-            <a:avLst/>
-            <a:gdLst/>
-            <a:ahLst/>
-            <a:cxnLst/>
-            <a:rect l="l" t="t" r="r" b="b"/>
-            <a:pathLst>
-              <a:path w="120000" h="120000" extrusionOk="0">
-                <a:moveTo>
-                  <a:pt x="0" y="0"/>
-                </a:moveTo>
-                <a:lnTo>
-                  <a:pt x="120000" y="0"/>
-                </a:lnTo>
-                <a:lnTo>
-                  <a:pt x="120000" y="120000"/>
-                </a:lnTo>
-                <a:lnTo>
-                  <a:pt x="0" y="120000"/>
-                </a:lnTo>
-                <a:close/>
-              </a:path>
-            </a:pathLst>
-          </a:custGeom>
-        </p:spPr>
-      </p:sp>
-      <p:sp>
-        <p:nvSpPr>
-          <p:cNvPr id="436" name="Google Shape;436;g14721ea9db_19_1:notes"/>
-          <p:cNvSpPr txBox="1">
-            <a:spLocks noGrp="1"/>
-          </p:cNvSpPr>
-          <p:nvPr>
-            <p:ph type="body" idx="1"/>
-          </p:nvPr>
-        </p:nvSpPr>
-        <p:spPr>
-          <a:xfrm>
-            <a:off x="685800" y="4343400"/>
-            <a:ext cx="5486400" cy="4114800"/>
-          </a:xfrm>
-          <a:prstGeom prst="rect">
-            <a:avLst/>
-          </a:prstGeom>
-        </p:spPr>
-        <p:txBody>
-          <a:bodyPr spcFirstLastPara="1" wrap="square" lIns="91425" tIns="91425" rIns="91425" bIns="91425" anchor="t" anchorCtr="0">
-            <a:noAutofit/>
-          </a:bodyPr>
-          <a:lstStyle/>
-          <a:p>
-            <a:pPr marL="0" lvl="0" indent="0" algn="l" rtl="0">
-              <a:spcBef>
-                <a:spcPts val="0"/>
-              </a:spcBef>
-              <a:spcAft>
-                <a:spcPts val="0"/>
-              </a:spcAft>
-              <a:buNone/>
-            </a:pPr>
-            <a:endParaRPr/>
-          </a:p>
-        </p:txBody>
-      </p:sp>
-    </p:spTree>
-    <p:extLst>
-      <p:ext uri="{BB962C8B-B14F-4D97-AF65-F5344CB8AC3E}">
-        <p14:creationId xmlns:p14="http://schemas.microsoft.com/office/powerpoint/2010/main" val="1298778957"/>
       </p:ext>
     </p:extLst>
   </p:cSld>
@@ -3495,11 +3276,11 @@
 </file>
 
 <file path=ppt/slideLayouts/slideLayout5.xml><?xml version="1.0" encoding="utf-8"?>
-<p:sldLayout xmlns:a="http://schemas.openxmlformats.org/drawingml/2006/main" xmlns:r="http://schemas.openxmlformats.org/officeDocument/2006/relationships" xmlns:p="http://schemas.openxmlformats.org/presentationml/2006/main" matchingName="Title only" type="titleOnly">
-  <p:cSld name="TITLE_ONLY">
+<p:sldLayout xmlns:a="http://schemas.openxmlformats.org/drawingml/2006/main" xmlns:r="http://schemas.openxmlformats.org/officeDocument/2006/relationships" xmlns:p="http://schemas.openxmlformats.org/presentationml/2006/main" matchingName="Blank" type="blank">
+  <p:cSld name="BLANK">
     <p:spTree>
       <p:nvGrpSpPr>
-        <p:cNvPr id="1" name="Shape 53"/>
+        <p:cNvPr id="1" name="Shape 59"/>
         <p:cNvGrpSpPr/>
         <p:nvPr/>
       </p:nvGrpSpPr>
@@ -3513,134 +3294,7 @@
       </p:grpSpPr>
       <p:sp>
         <p:nvSpPr>
-          <p:cNvPr id="54" name="Google Shape;54;p8"/>
-          <p:cNvSpPr txBox="1">
-            <a:spLocks noGrp="1"/>
-          </p:cNvSpPr>
-          <p:nvPr>
-            <p:ph type="title"/>
-          </p:nvPr>
-        </p:nvSpPr>
-        <p:spPr>
-          <a:xfrm>
-            <a:off x="404330" y="658442"/>
-            <a:ext cx="8229600" cy="551400"/>
-          </a:xfrm>
-          <a:prstGeom prst="rect">
-            <a:avLst/>
-          </a:prstGeom>
-        </p:spPr>
-        <p:txBody>
-          <a:bodyPr spcFirstLastPara="1" wrap="square" lIns="91425" tIns="91425" rIns="91425" bIns="91425" anchor="t" anchorCtr="0"/>
-          <a:lstStyle>
-            <a:lvl1pPr lvl="0">
-              <a:spcBef>
-                <a:spcPts val="0"/>
-              </a:spcBef>
-              <a:spcAft>
-                <a:spcPts val="0"/>
-              </a:spcAft>
-              <a:buSzPts val="2200"/>
-              <a:buNone/>
-              <a:defRPr/>
-            </a:lvl1pPr>
-            <a:lvl2pPr lvl="1">
-              <a:spcBef>
-                <a:spcPts val="0"/>
-              </a:spcBef>
-              <a:spcAft>
-                <a:spcPts val="0"/>
-              </a:spcAft>
-              <a:buSzPts val="2200"/>
-              <a:buNone/>
-              <a:defRPr/>
-            </a:lvl2pPr>
-            <a:lvl3pPr lvl="2">
-              <a:spcBef>
-                <a:spcPts val="0"/>
-              </a:spcBef>
-              <a:spcAft>
-                <a:spcPts val="0"/>
-              </a:spcAft>
-              <a:buSzPts val="2200"/>
-              <a:buNone/>
-              <a:defRPr/>
-            </a:lvl3pPr>
-            <a:lvl4pPr lvl="3">
-              <a:spcBef>
-                <a:spcPts val="0"/>
-              </a:spcBef>
-              <a:spcAft>
-                <a:spcPts val="0"/>
-              </a:spcAft>
-              <a:buSzPts val="2200"/>
-              <a:buNone/>
-              <a:defRPr/>
-            </a:lvl4pPr>
-            <a:lvl5pPr lvl="4">
-              <a:spcBef>
-                <a:spcPts val="0"/>
-              </a:spcBef>
-              <a:spcAft>
-                <a:spcPts val="0"/>
-              </a:spcAft>
-              <a:buSzPts val="2200"/>
-              <a:buNone/>
-              <a:defRPr/>
-            </a:lvl5pPr>
-            <a:lvl6pPr lvl="5">
-              <a:spcBef>
-                <a:spcPts val="0"/>
-              </a:spcBef>
-              <a:spcAft>
-                <a:spcPts val="0"/>
-              </a:spcAft>
-              <a:buSzPts val="2200"/>
-              <a:buNone/>
-              <a:defRPr/>
-            </a:lvl6pPr>
-            <a:lvl7pPr lvl="6">
-              <a:spcBef>
-                <a:spcPts val="0"/>
-              </a:spcBef>
-              <a:spcAft>
-                <a:spcPts val="0"/>
-              </a:spcAft>
-              <a:buSzPts val="2200"/>
-              <a:buNone/>
-              <a:defRPr/>
-            </a:lvl7pPr>
-            <a:lvl8pPr lvl="7">
-              <a:spcBef>
-                <a:spcPts val="0"/>
-              </a:spcBef>
-              <a:spcAft>
-                <a:spcPts val="0"/>
-              </a:spcAft>
-              <a:buSzPts val="2200"/>
-              <a:buNone/>
-              <a:defRPr/>
-            </a:lvl8pPr>
-            <a:lvl9pPr lvl="8">
-              <a:spcBef>
-                <a:spcPts val="0"/>
-              </a:spcBef>
-              <a:spcAft>
-                <a:spcPts val="0"/>
-              </a:spcAft>
-              <a:buSzPts val="2200"/>
-              <a:buNone/>
-              <a:defRPr/>
-            </a:lvl9pPr>
-          </a:lstStyle>
-          <a:p>
-            <a:endParaRPr/>
-          </a:p>
-        </p:txBody>
-      </p:sp>
-      <p:sp>
-        <p:nvSpPr>
-          <p:cNvPr id="55" name="Google Shape;55;p8"/>
+          <p:cNvPr id="60" name="Google Shape;60;p10"/>
           <p:cNvSpPr txBox="1">
             <a:spLocks noGrp="1"/>
           </p:cNvSpPr>
@@ -3726,110 +3380,6 @@
 </file>
 
 <file path=ppt/slideLayouts/slideLayout6.xml><?xml version="1.0" encoding="utf-8"?>
-<p:sldLayout xmlns:a="http://schemas.openxmlformats.org/drawingml/2006/main" xmlns:r="http://schemas.openxmlformats.org/officeDocument/2006/relationships" xmlns:p="http://schemas.openxmlformats.org/presentationml/2006/main" matchingName="Blank" type="blank">
-  <p:cSld name="BLANK">
-    <p:spTree>
-      <p:nvGrpSpPr>
-        <p:cNvPr id="1" name="Shape 59"/>
-        <p:cNvGrpSpPr/>
-        <p:nvPr/>
-      </p:nvGrpSpPr>
-      <p:grpSpPr>
-        <a:xfrm>
-          <a:off x="0" y="0"/>
-          <a:ext cx="0" cy="0"/>
-          <a:chOff x="0" y="0"/>
-          <a:chExt cx="0" cy="0"/>
-        </a:xfrm>
-      </p:grpSpPr>
-      <p:sp>
-        <p:nvSpPr>
-          <p:cNvPr id="60" name="Google Shape;60;p10"/>
-          <p:cNvSpPr txBox="1">
-            <a:spLocks noGrp="1"/>
-          </p:cNvSpPr>
-          <p:nvPr>
-            <p:ph type="sldNum" idx="12"/>
-          </p:nvPr>
-        </p:nvSpPr>
-        <p:spPr>
-          <a:xfrm>
-            <a:off x="8523157" y="6391956"/>
-            <a:ext cx="461100" cy="389100"/>
-          </a:xfrm>
-          <a:prstGeom prst="rect">
-            <a:avLst/>
-          </a:prstGeom>
-        </p:spPr>
-        <p:txBody>
-          <a:bodyPr spcFirstLastPara="1" wrap="square" lIns="91425" tIns="91425" rIns="91425" bIns="91425" anchor="t" anchorCtr="0">
-            <a:noAutofit/>
-          </a:bodyPr>
-          <a:lstStyle>
-            <a:lvl1pPr lvl="0">
-              <a:buNone/>
-              <a:defRPr/>
-            </a:lvl1pPr>
-            <a:lvl2pPr lvl="1">
-              <a:buNone/>
-              <a:defRPr/>
-            </a:lvl2pPr>
-            <a:lvl3pPr lvl="2">
-              <a:buNone/>
-              <a:defRPr/>
-            </a:lvl3pPr>
-            <a:lvl4pPr lvl="3">
-              <a:buNone/>
-              <a:defRPr/>
-            </a:lvl4pPr>
-            <a:lvl5pPr lvl="4">
-              <a:buNone/>
-              <a:defRPr/>
-            </a:lvl5pPr>
-            <a:lvl6pPr lvl="5">
-              <a:buNone/>
-              <a:defRPr/>
-            </a:lvl6pPr>
-            <a:lvl7pPr lvl="6">
-              <a:buNone/>
-              <a:defRPr/>
-            </a:lvl7pPr>
-            <a:lvl8pPr lvl="7">
-              <a:buNone/>
-              <a:defRPr/>
-            </a:lvl8pPr>
-            <a:lvl9pPr lvl="8">
-              <a:buNone/>
-              <a:defRPr/>
-            </a:lvl9pPr>
-          </a:lstStyle>
-          <a:p>
-            <a:pPr marL="0" lvl="0" indent="0" algn="r" rtl="0">
-              <a:spcBef>
-                <a:spcPts val="0"/>
-              </a:spcBef>
-              <a:spcAft>
-                <a:spcPts val="0"/>
-              </a:spcAft>
-              <a:buNone/>
-            </a:pPr>
-            <a:fld id="{00000000-1234-1234-1234-123412341234}" type="slidenum">
-              <a:rPr lang="en"/>
-              <a:t>‹#›</a:t>
-            </a:fld>
-            <a:endParaRPr/>
-          </a:p>
-        </p:txBody>
-      </p:sp>
-    </p:spTree>
-  </p:cSld>
-  <p:clrMapOvr>
-    <a:masterClrMapping/>
-  </p:clrMapOvr>
-</p:sldLayout>
-</file>
-
-<file path=ppt/slideLayouts/slideLayout7.xml><?xml version="1.0" encoding="utf-8"?>
 <p:sldLayout xmlns:a="http://schemas.openxmlformats.org/drawingml/2006/main" xmlns:r="http://schemas.openxmlformats.org/officeDocument/2006/relationships" xmlns:p="http://schemas.openxmlformats.org/presentationml/2006/main" userDrawn="1">
   <p:cSld name="1_标题幻灯片">
     <p:spTree>
@@ -3986,7 +3536,7 @@
           <p:nvPr/>
         </p:nvPicPr>
         <p:blipFill rotWithShape="1">
-          <a:blip r:embed="rId9">
+          <a:blip r:embed="rId8">
             <a:alphaModFix/>
           </a:blip>
           <a:srcRect r="3297" b="3297"/>
@@ -4691,9 +4241,8 @@
     <p:sldLayoutId id="2147483660" r:id="rId2"/>
     <p:sldLayoutId id="2147483661" r:id="rId3"/>
     <p:sldLayoutId id="2147483662" r:id="rId4"/>
-    <p:sldLayoutId id="2147483654" r:id="rId5"/>
-    <p:sldLayoutId id="2147483656" r:id="rId6"/>
-    <p:sldLayoutId id="2147483658" r:id="rId7"/>
+    <p:sldLayoutId id="2147483656" r:id="rId5"/>
+    <p:sldLayoutId id="2147483658" r:id="rId6"/>
   </p:sldLayoutIdLst>
   <p:transition>
     <p:fade thruBlk="1"/>
@@ -6930,6 +6479,13 @@
   <p:clrMapOvr>
     <a:masterClrMapping/>
   </p:clrMapOvr>
+  <p:timing>
+    <p:tnLst>
+      <p:par>
+        <p:cTn id="1" dur="indefinite" restart="never" nodeType="tmRoot"/>
+      </p:par>
+    </p:tnLst>
+  </p:timing>
 </p:sld>
 </file>
 
@@ -8402,6 +7958,13 @@
   <p:clrMapOvr>
     <a:masterClrMapping/>
   </p:clrMapOvr>
+  <p:timing>
+    <p:tnLst>
+      <p:par>
+        <p:cTn id="1" dur="indefinite" restart="never" nodeType="tmRoot"/>
+      </p:par>
+    </p:tnLst>
+  </p:timing>
 </p:sld>
 </file>
 
@@ -10004,6 +9567,13 @@
   <p:clrMapOvr>
     <a:masterClrMapping/>
   </p:clrMapOvr>
+  <p:timing>
+    <p:tnLst>
+      <p:par>
+        <p:cTn id="1" dur="indefinite" restart="never" nodeType="tmRoot"/>
+      </p:par>
+    </p:tnLst>
+  </p:timing>
 </p:sld>
 </file>
 
@@ -10677,6 +10247,13 @@
   <p:clrMapOvr>
     <a:masterClrMapping/>
   </p:clrMapOvr>
+  <p:timing>
+    <p:tnLst>
+      <p:par>
+        <p:cTn id="1" dur="indefinite" restart="never" nodeType="tmRoot"/>
+      </p:par>
+    </p:tnLst>
+  </p:timing>
 </p:sld>
 </file>
 
@@ -10966,15 +10543,7 @@
                   <a:schemeClr val="bg1"/>
                 </a:solidFill>
               </a:rPr>
-              <a:t>录制</a:t>
-            </a:r>
-            <a:r>
-              <a:rPr lang="zh-CN" altLang="en-US" sz="1800" dirty="0" smtClean="0">
-                <a:solidFill>
-                  <a:schemeClr val="bg1"/>
-                </a:solidFill>
-              </a:rPr>
-              <a:t>过程简单、低成本</a:t>
+              <a:t>录制过程简单、低成本</a:t>
             </a:r>
             <a:endParaRPr lang="en-US" altLang="zh-CN" sz="1800" dirty="0" smtClean="0">
               <a:solidFill>
@@ -11351,6 +10920,13 @@
   <p:clrMapOvr>
     <a:masterClrMapping/>
   </p:clrMapOvr>
+  <p:timing>
+    <p:tnLst>
+      <p:par>
+        <p:cTn id="1" dur="indefinite" restart="never" nodeType="tmRoot"/>
+      </p:par>
+    </p:tnLst>
+  </p:timing>
 </p:sld>
 </file>
 
@@ -11492,23 +11068,22 @@
   <p:clrMapOvr>
     <a:masterClrMapping/>
   </p:clrMapOvr>
+  <p:timing>
+    <p:tnLst>
+      <p:par>
+        <p:cTn id="1" dur="indefinite" restart="never" nodeType="tmRoot"/>
+      </p:par>
+    </p:tnLst>
+  </p:timing>
 </p:sld>
 </file>
 
-<file path=ppt/slides/slide16.xml><?xml version="1.0" encoding="utf-8"?>
+<file path=ppt/slides/slide2.xml><?xml version="1.0" encoding="utf-8"?>
 <p:sld xmlns:a="http://schemas.openxmlformats.org/drawingml/2006/main" xmlns:r="http://schemas.openxmlformats.org/officeDocument/2006/relationships" xmlns:p="http://schemas.openxmlformats.org/presentationml/2006/main">
   <p:cSld>
-    <p:bg>
-      <p:bgPr>
-        <a:solidFill>
-          <a:srgbClr val="3D85C6"/>
-        </a:solidFill>
-        <a:effectLst/>
-      </p:bgPr>
-    </p:bg>
     <p:spTree>
       <p:nvGrpSpPr>
-        <p:cNvPr id="1" name="Shape 437"/>
+        <p:cNvPr id="1" name=""/>
         <p:cNvGrpSpPr/>
         <p:nvPr/>
       </p:nvGrpSpPr>
@@ -11522,513 +11097,12 @@
       </p:grpSpPr>
       <p:sp>
         <p:nvSpPr>
-          <p:cNvPr id="438" name="Google Shape;438;p38"/>
-          <p:cNvSpPr txBox="1"/>
-          <p:nvPr/>
-        </p:nvSpPr>
-        <p:spPr>
-          <a:xfrm>
-            <a:off x="2087650" y="1676275"/>
-            <a:ext cx="6676800" cy="1380900"/>
-          </a:xfrm>
-          <a:prstGeom prst="rect">
-            <a:avLst/>
-          </a:prstGeom>
-          <a:noFill/>
-          <a:ln>
-            <a:noFill/>
-          </a:ln>
-        </p:spPr>
-        <p:txBody>
-          <a:bodyPr spcFirstLastPara="1" wrap="square" lIns="91425" tIns="91425" rIns="91425" bIns="91425" anchor="t" anchorCtr="0">
-            <a:noAutofit/>
-          </a:bodyPr>
-          <a:lstStyle/>
-          <a:p>
-            <a:pPr marL="0" lvl="0" indent="0" algn="l" rtl="0">
-              <a:spcBef>
-                <a:spcPts val="0"/>
-              </a:spcBef>
-              <a:spcAft>
-                <a:spcPts val="0"/>
-              </a:spcAft>
-              <a:buClr>
-                <a:srgbClr val="000000"/>
-              </a:buClr>
-              <a:buSzPts val="1100"/>
-              <a:buFont typeface="Arial"/>
-              <a:buNone/>
-            </a:pPr>
-            <a:r>
-              <a:rPr lang="en" b="1" dirty="0">
-                <a:solidFill>
-                  <a:srgbClr val="FFFFFF"/>
-                </a:solidFill>
-                <a:latin typeface="Cousine"/>
-                <a:ea typeface="Cousine"/>
-                <a:cs typeface="Cousine"/>
-                <a:sym typeface="Cousine"/>
-              </a:rPr>
-              <a:t>Now you can use any emoji as an icon!</a:t>
-            </a:r>
-            <a:endParaRPr dirty="0">
-              <a:solidFill>
-                <a:srgbClr val="FFFFFF"/>
-              </a:solidFill>
-              <a:latin typeface="Cousine"/>
-              <a:ea typeface="Cousine"/>
-              <a:cs typeface="Cousine"/>
-              <a:sym typeface="Cousine"/>
-            </a:endParaRPr>
-          </a:p>
-          <a:p>
-            <a:pPr marL="0" lvl="0" indent="0" algn="l" rtl="0">
-              <a:spcBef>
-                <a:spcPts val="0"/>
-              </a:spcBef>
-              <a:spcAft>
-                <a:spcPts val="0"/>
-              </a:spcAft>
-              <a:buClr>
-                <a:srgbClr val="000000"/>
-              </a:buClr>
-              <a:buSzPts val="1100"/>
-              <a:buFont typeface="Arial"/>
-              <a:buNone/>
-            </a:pPr>
-            <a:r>
-              <a:rPr lang="en" dirty="0">
-                <a:solidFill>
-                  <a:srgbClr val="FFFFFF"/>
-                </a:solidFill>
-                <a:latin typeface="Cousine"/>
-                <a:ea typeface="Cousine"/>
-                <a:cs typeface="Cousine"/>
-                <a:sym typeface="Cousine"/>
-              </a:rPr>
-              <a:t>And of course it resizes without losing quality and you can change the color.</a:t>
-            </a:r>
-            <a:endParaRPr dirty="0">
-              <a:solidFill>
-                <a:srgbClr val="FFFFFF"/>
-              </a:solidFill>
-              <a:latin typeface="Cousine"/>
-              <a:ea typeface="Cousine"/>
-              <a:cs typeface="Cousine"/>
-              <a:sym typeface="Cousine"/>
-            </a:endParaRPr>
-          </a:p>
-          <a:p>
-            <a:pPr marL="0" lvl="0" indent="0" algn="l" rtl="0">
-              <a:spcBef>
-                <a:spcPts val="0"/>
-              </a:spcBef>
-              <a:spcAft>
-                <a:spcPts val="0"/>
-              </a:spcAft>
-              <a:buNone/>
-            </a:pPr>
-            <a:endParaRPr dirty="0">
-              <a:solidFill>
-                <a:srgbClr val="FFFFFF"/>
-              </a:solidFill>
-              <a:latin typeface="Cousine"/>
-              <a:ea typeface="Cousine"/>
-              <a:cs typeface="Cousine"/>
-              <a:sym typeface="Cousine"/>
-            </a:endParaRPr>
-          </a:p>
-          <a:p>
-            <a:pPr marL="0" lvl="0" indent="0" algn="l" rtl="0">
-              <a:spcBef>
-                <a:spcPts val="0"/>
-              </a:spcBef>
-              <a:spcAft>
-                <a:spcPts val="0"/>
-              </a:spcAft>
-              <a:buNone/>
-            </a:pPr>
-            <a:r>
-              <a:rPr lang="en" dirty="0">
-                <a:solidFill>
-                  <a:srgbClr val="FFFFFF"/>
-                </a:solidFill>
-                <a:latin typeface="Cousine"/>
-                <a:ea typeface="Cousine"/>
-                <a:cs typeface="Cousine"/>
-                <a:sym typeface="Cousine"/>
-              </a:rPr>
-              <a:t>How? Follow Google instructions </a:t>
-            </a:r>
-            <a:r>
-              <a:rPr lang="en" u="sng" dirty="0">
-                <a:solidFill>
-                  <a:srgbClr val="FFFFFF"/>
-                </a:solidFill>
-                <a:latin typeface="Cousine"/>
-                <a:ea typeface="Cousine"/>
-                <a:cs typeface="Cousine"/>
-                <a:sym typeface="Cousine"/>
-                <a:hlinkClick r:id="rId3"/>
-              </a:rPr>
-              <a:t>https://twitter.com/googledocs/status/730087240156643328</a:t>
-            </a:r>
-            <a:endParaRPr dirty="0">
-              <a:solidFill>
-                <a:srgbClr val="FFFFFF"/>
-              </a:solidFill>
-              <a:latin typeface="Cousine"/>
-              <a:ea typeface="Cousine"/>
-              <a:cs typeface="Cousine"/>
-              <a:sym typeface="Cousine"/>
-            </a:endParaRPr>
-          </a:p>
-          <a:p>
-            <a:pPr marL="0" lvl="0" indent="0" algn="l" rtl="0">
-              <a:spcBef>
-                <a:spcPts val="0"/>
-              </a:spcBef>
-              <a:spcAft>
-                <a:spcPts val="0"/>
-              </a:spcAft>
-              <a:buNone/>
-            </a:pPr>
-            <a:endParaRPr dirty="0">
-              <a:solidFill>
-                <a:srgbClr val="FFFFFF"/>
-              </a:solidFill>
-              <a:latin typeface="Cousine"/>
-              <a:ea typeface="Cousine"/>
-              <a:cs typeface="Cousine"/>
-              <a:sym typeface="Cousine"/>
-            </a:endParaRPr>
-          </a:p>
-          <a:p>
-            <a:pPr marL="0" lvl="0" indent="0" algn="l" rtl="0">
-              <a:spcBef>
-                <a:spcPts val="0"/>
-              </a:spcBef>
-              <a:spcAft>
-                <a:spcPts val="0"/>
-              </a:spcAft>
-              <a:buNone/>
-            </a:pPr>
-            <a:endParaRPr dirty="0">
-              <a:solidFill>
-                <a:srgbClr val="FFFFFF"/>
-              </a:solidFill>
-              <a:latin typeface="Cousine"/>
-              <a:ea typeface="Cousine"/>
-              <a:cs typeface="Cousine"/>
-              <a:sym typeface="Cousine"/>
-            </a:endParaRPr>
-          </a:p>
-          <a:p>
-            <a:pPr marL="0" lvl="0" indent="0" algn="l" rtl="0">
-              <a:spcBef>
-                <a:spcPts val="0"/>
-              </a:spcBef>
-              <a:spcAft>
-                <a:spcPts val="0"/>
-              </a:spcAft>
-              <a:buClr>
-                <a:srgbClr val="000000"/>
-              </a:buClr>
-              <a:buSzPts val="1100"/>
-              <a:buFont typeface="Arial"/>
-              <a:buNone/>
-            </a:pPr>
-            <a:endParaRPr dirty="0">
-              <a:solidFill>
-                <a:srgbClr val="FFFFFF"/>
-              </a:solidFill>
-              <a:latin typeface="Cousine"/>
-              <a:ea typeface="Cousine"/>
-              <a:cs typeface="Cousine"/>
-              <a:sym typeface="Cousine"/>
-            </a:endParaRPr>
-          </a:p>
-          <a:p>
-            <a:pPr marL="0" lvl="0" indent="0" algn="l" rtl="0">
-              <a:spcBef>
-                <a:spcPts val="0"/>
-              </a:spcBef>
-              <a:spcAft>
-                <a:spcPts val="0"/>
-              </a:spcAft>
-              <a:buNone/>
-            </a:pPr>
-            <a:endParaRPr dirty="0">
-              <a:solidFill>
-                <a:srgbClr val="FFFFFF"/>
-              </a:solidFill>
-              <a:latin typeface="Cousine"/>
-              <a:ea typeface="Cousine"/>
-              <a:cs typeface="Cousine"/>
-              <a:sym typeface="Cousine"/>
-            </a:endParaRPr>
-          </a:p>
-        </p:txBody>
-      </p:sp>
-      <p:sp>
-        <p:nvSpPr>
-          <p:cNvPr id="439" name="Google Shape;439;p38"/>
-          <p:cNvSpPr txBox="1"/>
-          <p:nvPr/>
-        </p:nvSpPr>
-        <p:spPr>
-          <a:xfrm>
-            <a:off x="731900" y="3136250"/>
-            <a:ext cx="7327500" cy="2570700"/>
-          </a:xfrm>
-          <a:prstGeom prst="rect">
-            <a:avLst/>
-          </a:prstGeom>
-          <a:noFill/>
-          <a:ln>
-            <a:noFill/>
-          </a:ln>
-        </p:spPr>
-        <p:txBody>
-          <a:bodyPr spcFirstLastPara="1" wrap="square" lIns="91425" tIns="91425" rIns="91425" bIns="91425" anchor="t" anchorCtr="0">
-            <a:noAutofit/>
-          </a:bodyPr>
-          <a:lstStyle/>
-          <a:p>
-            <a:pPr marL="0" lvl="0" indent="0" algn="l" rtl="0">
-              <a:lnSpc>
-                <a:spcPct val="115000"/>
-              </a:lnSpc>
-              <a:spcBef>
-                <a:spcPts val="0"/>
-              </a:spcBef>
-              <a:spcAft>
-                <a:spcPts val="0"/>
-              </a:spcAft>
-              <a:buNone/>
-            </a:pPr>
-            <a:r>
-              <a:rPr lang="en" sz="3600">
-                <a:solidFill>
-                  <a:srgbClr val="FFFFFF"/>
-                </a:solidFill>
-                <a:latin typeface="Cousine"/>
-                <a:ea typeface="Cousine"/>
-                <a:cs typeface="Cousine"/>
-                <a:sym typeface="Cousine"/>
-              </a:rPr>
-              <a:t>✋👆👉👍👤👦👧👨👩👪💃🏃💑❤😂😉😋😒😭👶😸🐟🍒🍔💣📌📖🔨🎃🎈🎨🏈🏰🌏🔌🔑</a:t>
-            </a:r>
-            <a:r>
-              <a:rPr lang="en" sz="2400">
-                <a:solidFill>
-                  <a:srgbClr val="FFFFFF"/>
-                </a:solidFill>
-                <a:highlight>
-                  <a:srgbClr val="0B5394"/>
-                </a:highlight>
-                <a:latin typeface="Cousine"/>
-                <a:ea typeface="Cousine"/>
-                <a:cs typeface="Cousine"/>
-                <a:sym typeface="Cousine"/>
-              </a:rPr>
-              <a:t> and many more...</a:t>
-            </a:r>
-            <a:endParaRPr sz="2400">
-              <a:solidFill>
-                <a:srgbClr val="FFFFFF"/>
-              </a:solidFill>
-              <a:highlight>
-                <a:srgbClr val="0B5394"/>
-              </a:highlight>
-              <a:latin typeface="Cousine"/>
-              <a:ea typeface="Cousine"/>
-              <a:cs typeface="Cousine"/>
-              <a:sym typeface="Cousine"/>
-            </a:endParaRPr>
-          </a:p>
-        </p:txBody>
-      </p:sp>
-      <p:sp>
-        <p:nvSpPr>
-          <p:cNvPr id="440" name="Google Shape;440;p38"/>
-          <p:cNvSpPr txBox="1"/>
-          <p:nvPr/>
-        </p:nvSpPr>
-        <p:spPr>
-          <a:xfrm>
-            <a:off x="572775" y="1618414"/>
-            <a:ext cx="1440600" cy="1296000"/>
-          </a:xfrm>
-          <a:prstGeom prst="rect">
-            <a:avLst/>
-          </a:prstGeom>
-          <a:noFill/>
-          <a:ln>
-            <a:noFill/>
-          </a:ln>
-        </p:spPr>
-        <p:txBody>
-          <a:bodyPr spcFirstLastPara="1" wrap="square" lIns="91425" tIns="91425" rIns="91425" bIns="91425" anchor="ctr" anchorCtr="0">
-            <a:noAutofit/>
-          </a:bodyPr>
-          <a:lstStyle/>
-          <a:p>
-            <a:pPr marL="0" lvl="0" indent="0" algn="ctr" rtl="0">
-              <a:spcBef>
-                <a:spcPts val="0"/>
-              </a:spcBef>
-              <a:spcAft>
-                <a:spcPts val="0"/>
-              </a:spcAft>
-              <a:buClr>
-                <a:srgbClr val="000000"/>
-              </a:buClr>
-              <a:buSzPts val="1100"/>
-              <a:buFont typeface="Arial"/>
-              <a:buNone/>
-            </a:pPr>
-            <a:r>
-              <a:rPr lang="en" sz="9600" dirty="0">
-                <a:solidFill>
-                  <a:srgbClr val="FFFF00"/>
-                </a:solidFill>
-                <a:latin typeface="Cousine"/>
-                <a:ea typeface="Cousine"/>
-                <a:cs typeface="Cousine"/>
-                <a:sym typeface="Cousine"/>
-              </a:rPr>
-              <a:t>😉</a:t>
-            </a:r>
-            <a:endParaRPr sz="9600" dirty="0">
-              <a:solidFill>
-                <a:srgbClr val="FFFF00"/>
-              </a:solidFill>
-              <a:latin typeface="Cousine"/>
-              <a:ea typeface="Cousine"/>
-              <a:cs typeface="Cousine"/>
-              <a:sym typeface="Cousine"/>
-            </a:endParaRPr>
-          </a:p>
-        </p:txBody>
-      </p:sp>
-      <p:sp>
-        <p:nvSpPr>
-          <p:cNvPr id="441" name="Google Shape;441;p38"/>
-          <p:cNvSpPr txBox="1">
+          <p:cNvPr id="2" name="标题 1"/>
+          <p:cNvSpPr>
             <a:spLocks noGrp="1"/>
           </p:cNvSpPr>
           <p:nvPr>
-            <p:ph type="sldNum" idx="12"/>
-          </p:nvPr>
-        </p:nvSpPr>
-        <p:spPr>
-          <a:xfrm>
-            <a:off x="8523157" y="6391956"/>
-            <a:ext cx="461100" cy="389100"/>
-          </a:xfrm>
-          <a:prstGeom prst="rect">
-            <a:avLst/>
-          </a:prstGeom>
-        </p:spPr>
-        <p:txBody>
-          <a:bodyPr spcFirstLastPara="1" wrap="square" lIns="91425" tIns="91425" rIns="91425" bIns="91425" anchor="t" anchorCtr="0">
-            <a:noAutofit/>
-          </a:bodyPr>
-          <a:lstStyle/>
-          <a:p>
-            <a:pPr marL="0" lvl="0" indent="0" algn="r" rtl="0">
-              <a:spcBef>
-                <a:spcPts val="0"/>
-              </a:spcBef>
-              <a:spcAft>
-                <a:spcPts val="0"/>
-              </a:spcAft>
-              <a:buNone/>
-            </a:pPr>
-            <a:fld id="{00000000-1234-1234-1234-123412341234}" type="slidenum">
-              <a:rPr lang="en"/>
-              <a:t>16</a:t>
-            </a:fld>
-            <a:endParaRPr/>
-          </a:p>
-        </p:txBody>
-      </p:sp>
-    </p:spTree>
-  </p:cSld>
-  <p:clrMapOvr>
-    <a:masterClrMapping/>
-  </p:clrMapOvr>
-</p:sld>
-</file>
-
-<file path=ppt/slides/slide2.xml><?xml version="1.0" encoding="utf-8"?>
-<p:sld xmlns:a="http://schemas.openxmlformats.org/drawingml/2006/main" xmlns:r="http://schemas.openxmlformats.org/officeDocument/2006/relationships" xmlns:p="http://schemas.openxmlformats.org/presentationml/2006/main">
-  <p:cSld>
-    <p:spTree>
-      <p:nvGrpSpPr>
-        <p:cNvPr id="1" name="Shape 78"/>
-        <p:cNvGrpSpPr/>
-        <p:nvPr/>
-      </p:nvGrpSpPr>
-      <p:grpSpPr>
-        <a:xfrm>
-          <a:off x="0" y="0"/>
-          <a:ext cx="0" cy="0"/>
-          <a:chOff x="0" y="0"/>
-          <a:chExt cx="0" cy="0"/>
-        </a:xfrm>
-      </p:grpSpPr>
-      <p:sp>
-        <p:nvSpPr>
-          <p:cNvPr id="87" name="Google Shape;87;p13"/>
-          <p:cNvSpPr txBox="1">
-            <a:spLocks noGrp="1"/>
-          </p:cNvSpPr>
-          <p:nvPr>
-            <p:ph type="title"/>
-          </p:nvPr>
-        </p:nvSpPr>
-        <p:spPr>
-          <a:xfrm>
-            <a:off x="309080" y="601291"/>
-            <a:ext cx="8229600" cy="1084633"/>
-          </a:xfrm>
-          <a:prstGeom prst="rect">
-            <a:avLst/>
-          </a:prstGeom>
-        </p:spPr>
-        <p:txBody>
-          <a:bodyPr spcFirstLastPara="1" wrap="square" lIns="91425" tIns="91425" rIns="91425" bIns="91425" anchor="t" anchorCtr="0">
-            <a:noAutofit/>
-          </a:bodyPr>
-          <a:lstStyle/>
-          <a:p>
-            <a:pPr marL="0" lvl="0" indent="0" algn="l" rtl="0">
-              <a:spcBef>
-                <a:spcPts val="0"/>
-              </a:spcBef>
-              <a:spcAft>
-                <a:spcPts val="0"/>
-              </a:spcAft>
-              <a:buNone/>
-            </a:pPr>
-            <a:r>
-              <a:rPr lang="zh-CN" altLang="en-US" sz="4800" b="1" dirty="0" smtClean="0"/>
-              <a:t>目录</a:t>
-            </a:r>
-            <a:endParaRPr sz="4800" b="1" dirty="0"/>
-          </a:p>
-        </p:txBody>
-      </p:sp>
-      <p:sp>
-        <p:nvSpPr>
-          <p:cNvPr id="91" name="Google Shape;91;p13"/>
-          <p:cNvSpPr txBox="1">
-            <a:spLocks noGrp="1"/>
-          </p:cNvSpPr>
-          <p:nvPr>
-            <p:ph type="sldNum" idx="12"/>
+            <p:ph type="ctrTitle"/>
           </p:nvPr>
         </p:nvSpPr>
         <p:spPr>
@@ -12037,477 +11111,157 @@
           </a:prstGeom>
         </p:spPr>
         <p:txBody>
-          <a:bodyPr spcFirstLastPara="1" wrap="square" lIns="91425" tIns="91425" rIns="91425" bIns="91425" anchor="t" anchorCtr="0">
-            <a:noAutofit/>
-          </a:bodyPr>
+          <a:bodyPr/>
           <a:lstStyle/>
           <a:p>
-            <a:pPr marL="0" lvl="0" indent="0" algn="r" rtl="0">
-              <a:spcBef>
-                <a:spcPts val="0"/>
-              </a:spcBef>
-              <a:spcAft>
-                <a:spcPts val="0"/>
-              </a:spcAft>
-              <a:buNone/>
-            </a:pPr>
-            <a:fld id="{00000000-1234-1234-1234-123412341234}" type="slidenum">
-              <a:rPr lang="en"/>
-              <a:t>2</a:t>
-            </a:fld>
-            <a:endParaRPr/>
+            <a:r>
+              <a:rPr lang="zh-CN" altLang="en-US" dirty="0" smtClean="0"/>
+              <a:t>目录</a:t>
+            </a:r>
+            <a:endParaRPr lang="zh-CN" altLang="en-US" dirty="0"/>
           </a:p>
         </p:txBody>
       </p:sp>
       <p:sp>
         <p:nvSpPr>
-          <p:cNvPr id="88" name="Google Shape;88;p13"/>
-          <p:cNvSpPr txBox="1">
+          <p:cNvPr id="22" name="文本占位符 21"/>
+          <p:cNvSpPr>
             <a:spLocks noGrp="1"/>
           </p:cNvSpPr>
           <p:nvPr>
-            <p:ph type="subTitle" idx="4294967295"/>
+            <p:ph type="body" idx="2"/>
           </p:nvPr>
         </p:nvSpPr>
         <p:spPr>
           <a:xfrm>
-            <a:off x="446814" y="1758813"/>
-            <a:ext cx="8592683" cy="2639016"/>
-          </a:xfrm>
-          <a:prstGeom prst="rect">
-            <a:avLst/>
-          </a:prstGeom>
+            <a:off x="1013425" y="3729515"/>
+            <a:ext cx="1250382" cy="457924"/>
+          </a:xfrm>
         </p:spPr>
         <p:txBody>
-          <a:bodyPr spcFirstLastPara="1" wrap="square" lIns="91425" tIns="91425" rIns="91425" bIns="91425" anchor="t" anchorCtr="0">
-            <a:noAutofit/>
-          </a:bodyPr>
+          <a:bodyPr/>
           <a:lstStyle/>
           <a:p>
-            <a:pPr marL="0" lvl="0" indent="0" algn="l" rtl="0">
-              <a:spcBef>
-                <a:spcPts val="600"/>
-              </a:spcBef>
-              <a:spcAft>
-                <a:spcPts val="0"/>
-              </a:spcAft>
-              <a:buNone/>
-            </a:pPr>
             <a:r>
-              <a:rPr lang="en-US" altLang="zh-CN" sz="3600" dirty="0" smtClean="0"/>
-              <a:t>1.</a:t>
-            </a:r>
-            <a:r>
-              <a:rPr lang="zh-CN" altLang="en-US" sz="3600" dirty="0" smtClean="0"/>
+              <a:rPr lang="zh-CN" altLang="en-US" sz="2800" dirty="0" smtClean="0"/>
               <a:t>思路篇</a:t>
             </a:r>
-            <a:endParaRPr lang="en-US" altLang="zh-CN" sz="3600" dirty="0" smtClean="0"/>
-          </a:p>
-          <a:p>
-            <a:pPr marL="0" indent="0">
-              <a:buNone/>
-            </a:pPr>
-            <a:r>
-              <a:rPr lang="en-US" altLang="zh-CN" sz="3600" dirty="0"/>
-              <a:t>2.</a:t>
-            </a:r>
-            <a:r>
-              <a:rPr lang="zh-CN" altLang="en-US" sz="3600" dirty="0"/>
-              <a:t>架构</a:t>
-            </a:r>
-            <a:r>
-              <a:rPr lang="zh-CN" altLang="en-US" sz="3600" dirty="0" smtClean="0"/>
-              <a:t>篇</a:t>
-            </a:r>
-            <a:endParaRPr lang="en-US" altLang="zh-CN" sz="3600" dirty="0" smtClean="0"/>
-          </a:p>
-          <a:p>
-            <a:pPr marL="0" indent="0">
-              <a:buNone/>
-            </a:pPr>
-            <a:r>
-              <a:rPr lang="en-US" altLang="zh-CN" sz="3600" dirty="0"/>
-              <a:t>3.</a:t>
-            </a:r>
-            <a:r>
-              <a:rPr lang="zh-CN" altLang="en-US" sz="3600" dirty="0"/>
-              <a:t>原理篇</a:t>
-            </a:r>
-          </a:p>
-          <a:p>
-            <a:pPr marL="0" indent="0">
-              <a:buNone/>
-            </a:pPr>
-            <a:endParaRPr lang="zh-CN" altLang="en-US" sz="3600" dirty="0"/>
-          </a:p>
-          <a:p>
-            <a:pPr marL="0" lvl="0" indent="0" algn="l" rtl="0">
-              <a:spcBef>
-                <a:spcPts val="600"/>
-              </a:spcBef>
-              <a:spcAft>
-                <a:spcPts val="0"/>
-              </a:spcAft>
-              <a:buNone/>
-            </a:pPr>
-            <a:endParaRPr sz="3600" dirty="0"/>
+            <a:endParaRPr lang="zh-CN" altLang="en-US" sz="2800" dirty="0"/>
           </a:p>
         </p:txBody>
       </p:sp>
-      <p:grpSp>
-        <p:nvGrpSpPr>
-          <p:cNvPr id="5" name="Google Shape;118;p17"/>
-          <p:cNvGrpSpPr/>
+      <p:sp>
+        <p:nvSpPr>
+          <p:cNvPr id="18" name="文本占位符 17"/>
+          <p:cNvSpPr>
+            <a:spLocks noGrp="1"/>
+          </p:cNvSpPr>
+          <p:nvPr>
+            <p:ph type="body" idx="16"/>
+          </p:nvPr>
+        </p:nvSpPr>
+        <p:spPr>
+          <a:xfrm>
+            <a:off x="3960811" y="3729515"/>
+            <a:ext cx="1268137" cy="457924"/>
+          </a:xfrm>
+        </p:spPr>
+        <p:txBody>
+          <a:bodyPr/>
+          <a:lstStyle/>
+          <a:p>
+            <a:r>
+              <a:rPr lang="zh-CN" altLang="en-US" sz="2800" dirty="0" smtClean="0"/>
+              <a:t>架构篇</a:t>
+            </a:r>
+            <a:endParaRPr lang="zh-CN" altLang="en-US" sz="2800" dirty="0"/>
+          </a:p>
+        </p:txBody>
+      </p:sp>
+      <p:sp>
+        <p:nvSpPr>
+          <p:cNvPr id="19" name="文本占位符 18"/>
+          <p:cNvSpPr>
+            <a:spLocks noGrp="1"/>
+          </p:cNvSpPr>
+          <p:nvPr>
+            <p:ph type="body" idx="17"/>
+          </p:nvPr>
+        </p:nvSpPr>
+        <p:spPr>
+          <a:xfrm>
+            <a:off x="6889072" y="3729515"/>
+            <a:ext cx="1260629" cy="457924"/>
+          </a:xfrm>
+        </p:spPr>
+        <p:txBody>
+          <a:bodyPr/>
+          <a:lstStyle/>
+          <a:p>
+            <a:r>
+              <a:rPr lang="zh-CN" altLang="en-US" sz="2800" dirty="0" smtClean="0"/>
+              <a:t>原理篇</a:t>
+            </a:r>
+            <a:endParaRPr lang="zh-CN" altLang="en-US" sz="2800" dirty="0"/>
+          </a:p>
+        </p:txBody>
+      </p:sp>
+      <p:cxnSp>
+        <p:nvCxnSpPr>
+          <p:cNvPr id="23" name="Google Shape;21;p3"/>
+          <p:cNvCxnSpPr/>
           <p:nvPr/>
-        </p:nvGrpSpPr>
-        <p:grpSpPr>
-          <a:xfrm>
-            <a:off x="7580119" y="5399966"/>
-            <a:ext cx="1050763" cy="1009381"/>
-            <a:chOff x="3075562" y="756050"/>
-            <a:chExt cx="2931161" cy="2815726"/>
-          </a:xfrm>
-        </p:grpSpPr>
-        <p:sp>
-          <p:nvSpPr>
-            <p:cNvPr id="6" name="Google Shape;119;p17"/>
-            <p:cNvSpPr/>
-            <p:nvPr/>
-          </p:nvSpPr>
-          <p:spPr>
-            <a:xfrm>
-              <a:off x="3950843" y="1762696"/>
-              <a:ext cx="1326900" cy="1326900"/>
-            </a:xfrm>
-            <a:prstGeom prst="ellipse">
-              <a:avLst/>
-            </a:prstGeom>
-            <a:noFill/>
-            <a:ln w="9525" cap="flat" cmpd="sng">
-              <a:solidFill>
-                <a:srgbClr val="FFFFFF"/>
-              </a:solidFill>
-              <a:prstDash val="dot"/>
-              <a:round/>
-              <a:headEnd type="none" w="sm" len="sm"/>
-              <a:tailEnd type="none" w="sm" len="sm"/>
-            </a:ln>
-          </p:spPr>
-          <p:txBody>
-            <a:bodyPr spcFirstLastPara="1" wrap="square" lIns="91425" tIns="91425" rIns="91425" bIns="91425" anchor="ctr" anchorCtr="0">
-              <a:noAutofit/>
-            </a:bodyPr>
-            <a:lstStyle/>
-            <a:p>
-              <a:pPr marL="0" lvl="0" indent="0" algn="l" rtl="0">
-                <a:spcBef>
-                  <a:spcPts val="0"/>
-                </a:spcBef>
-                <a:spcAft>
-                  <a:spcPts val="0"/>
-                </a:spcAft>
-                <a:buNone/>
-              </a:pPr>
-              <a:endParaRPr/>
-            </a:p>
-          </p:txBody>
-        </p:sp>
-        <p:sp>
-          <p:nvSpPr>
-            <p:cNvPr id="7" name="Google Shape;120;p17"/>
-            <p:cNvSpPr/>
-            <p:nvPr/>
-          </p:nvSpPr>
-          <p:spPr>
-            <a:xfrm>
-              <a:off x="3472643" y="1284496"/>
-              <a:ext cx="2283300" cy="2283300"/>
-            </a:xfrm>
-            <a:prstGeom prst="rect">
-              <a:avLst/>
-            </a:prstGeom>
-            <a:noFill/>
-            <a:ln w="9525" cap="flat" cmpd="sng">
-              <a:solidFill>
-                <a:srgbClr val="FFFFFF"/>
-              </a:solidFill>
-              <a:prstDash val="dash"/>
-              <a:miter lim="8000"/>
-              <a:headEnd type="none" w="sm" len="sm"/>
-              <a:tailEnd type="none" w="sm" len="sm"/>
-            </a:ln>
-          </p:spPr>
-          <p:txBody>
-            <a:bodyPr spcFirstLastPara="1" wrap="square" lIns="91425" tIns="91425" rIns="91425" bIns="91425" anchor="ctr" anchorCtr="0">
-              <a:noAutofit/>
-            </a:bodyPr>
-            <a:lstStyle/>
-            <a:p>
-              <a:pPr marL="0" lvl="0" indent="0" algn="l" rtl="0">
-                <a:spcBef>
-                  <a:spcPts val="0"/>
-                </a:spcBef>
-                <a:spcAft>
-                  <a:spcPts val="0"/>
-                </a:spcAft>
-                <a:buNone/>
-              </a:pPr>
-              <a:endParaRPr/>
-            </a:p>
-          </p:txBody>
-        </p:sp>
-        <p:sp>
-          <p:nvSpPr>
-            <p:cNvPr id="8" name="Google Shape;121;p17"/>
-            <p:cNvSpPr/>
-            <p:nvPr/>
-          </p:nvSpPr>
-          <p:spPr>
-            <a:xfrm>
-              <a:off x="5883273" y="1280600"/>
-              <a:ext cx="123450" cy="2275725"/>
-            </a:xfrm>
-            <a:custGeom>
-              <a:avLst/>
-              <a:gdLst/>
-              <a:ahLst/>
-              <a:cxnLst/>
-              <a:rect l="l" t="t" r="r" b="b"/>
-              <a:pathLst>
-                <a:path w="4938" h="91029" extrusionOk="0">
-                  <a:moveTo>
-                    <a:pt x="0" y="0"/>
-                  </a:moveTo>
-                  <a:lnTo>
-                    <a:pt x="4938" y="0"/>
-                  </a:lnTo>
-                  <a:lnTo>
-                    <a:pt x="4938" y="91029"/>
-                  </a:lnTo>
-                  <a:lnTo>
-                    <a:pt x="0" y="91029"/>
-                  </a:lnTo>
-                </a:path>
-              </a:pathLst>
-            </a:custGeom>
-            <a:noFill/>
-            <a:ln w="9525" cap="flat" cmpd="sng">
-              <a:solidFill>
-                <a:srgbClr val="FFFFFF"/>
-              </a:solidFill>
-              <a:prstDash val="solid"/>
-              <a:miter lim="8000"/>
-              <a:headEnd type="none" w="med" len="med"/>
-              <a:tailEnd type="none" w="med" len="med"/>
-            </a:ln>
-          </p:spPr>
-        </p:sp>
-        <p:sp>
-          <p:nvSpPr>
-            <p:cNvPr id="9" name="Google Shape;122;p17"/>
-            <p:cNvSpPr/>
-            <p:nvPr/>
-          </p:nvSpPr>
-          <p:spPr>
-            <a:xfrm rot="-5400000">
-              <a:off x="4546838" y="-55875"/>
-              <a:ext cx="123450" cy="2275725"/>
-            </a:xfrm>
-            <a:custGeom>
-              <a:avLst/>
-              <a:gdLst/>
-              <a:ahLst/>
-              <a:cxnLst/>
-              <a:rect l="l" t="t" r="r" b="b"/>
-              <a:pathLst>
-                <a:path w="4938" h="91029" extrusionOk="0">
-                  <a:moveTo>
-                    <a:pt x="0" y="0"/>
-                  </a:moveTo>
-                  <a:lnTo>
-                    <a:pt x="4938" y="0"/>
-                  </a:lnTo>
-                  <a:lnTo>
-                    <a:pt x="4938" y="91029"/>
-                  </a:lnTo>
-                  <a:lnTo>
-                    <a:pt x="0" y="91029"/>
-                  </a:lnTo>
-                </a:path>
-              </a:pathLst>
-            </a:custGeom>
-            <a:noFill/>
-            <a:ln w="9525" cap="flat" cmpd="sng">
-              <a:solidFill>
-                <a:srgbClr val="FFFFFF"/>
-              </a:solidFill>
-              <a:prstDash val="solid"/>
-              <a:miter lim="8000"/>
-              <a:headEnd type="none" w="med" len="med"/>
-              <a:tailEnd type="none" w="med" len="med"/>
-            </a:ln>
-          </p:spPr>
-        </p:sp>
-        <p:sp>
-          <p:nvSpPr>
-            <p:cNvPr id="10" name="Google Shape;123;p17"/>
-            <p:cNvSpPr/>
-            <p:nvPr/>
-          </p:nvSpPr>
-          <p:spPr>
-            <a:xfrm rot="-5400000">
-              <a:off x="3075562" y="756050"/>
-              <a:ext cx="1326900" cy="1326900"/>
-            </a:xfrm>
-            <a:prstGeom prst="arc">
-              <a:avLst>
-                <a:gd name="adj1" fmla="val 16200000"/>
-                <a:gd name="adj2" fmla="val 0"/>
-              </a:avLst>
-            </a:prstGeom>
-            <a:noFill/>
-            <a:ln w="9525" cap="flat" cmpd="sng">
-              <a:solidFill>
-                <a:srgbClr val="FFFFFF"/>
-              </a:solidFill>
-              <a:prstDash val="dash"/>
-              <a:round/>
-              <a:headEnd type="triangle" w="sm" len="sm"/>
-              <a:tailEnd type="triangle" w="sm" len="sm"/>
-            </a:ln>
-          </p:spPr>
-          <p:txBody>
-            <a:bodyPr spcFirstLastPara="1" wrap="square" lIns="91425" tIns="91425" rIns="91425" bIns="91425" anchor="ctr" anchorCtr="0">
-              <a:noAutofit/>
-            </a:bodyPr>
-            <a:lstStyle/>
-            <a:p>
-              <a:pPr marL="0" lvl="0" indent="0" algn="l" rtl="0">
-                <a:spcBef>
-                  <a:spcPts val="0"/>
-                </a:spcBef>
-                <a:spcAft>
-                  <a:spcPts val="0"/>
-                </a:spcAft>
-                <a:buNone/>
-              </a:pPr>
-              <a:endParaRPr/>
-            </a:p>
-          </p:txBody>
-        </p:sp>
-        <p:cxnSp>
-          <p:nvCxnSpPr>
-            <p:cNvPr id="11" name="Google Shape;124;p17"/>
-            <p:cNvCxnSpPr/>
-            <p:nvPr/>
-          </p:nvCxnSpPr>
-          <p:spPr>
-            <a:xfrm>
-              <a:off x="3480293" y="1292146"/>
-              <a:ext cx="2268000" cy="2268000"/>
-            </a:xfrm>
-            <a:prstGeom prst="straightConnector1">
-              <a:avLst/>
-            </a:prstGeom>
-            <a:noFill/>
-            <a:ln w="9525" cap="flat" cmpd="sng">
-              <a:solidFill>
-                <a:srgbClr val="FFFFFF"/>
-              </a:solidFill>
-              <a:prstDash val="dash"/>
-              <a:round/>
-              <a:headEnd type="none" w="med" len="med"/>
-              <a:tailEnd type="none" w="med" len="med"/>
-            </a:ln>
-          </p:spPr>
-        </p:cxnSp>
-        <p:cxnSp>
-          <p:nvCxnSpPr>
-            <p:cNvPr id="12" name="Google Shape;125;p17"/>
-            <p:cNvCxnSpPr>
-              <a:endCxn id="6" idx="7"/>
-            </p:cNvCxnSpPr>
-            <p:nvPr/>
-          </p:nvCxnSpPr>
-          <p:spPr>
-            <a:xfrm flipH="1">
-              <a:off x="5083423" y="1280516"/>
-              <a:ext cx="676500" cy="676500"/>
-            </a:xfrm>
-            <a:prstGeom prst="straightConnector1">
-              <a:avLst/>
-            </a:prstGeom>
-            <a:noFill/>
-            <a:ln w="9525" cap="flat" cmpd="sng">
-              <a:solidFill>
-                <a:srgbClr val="FFFFFF"/>
-              </a:solidFill>
-              <a:prstDash val="dash"/>
-              <a:round/>
-              <a:headEnd type="none" w="med" len="med"/>
-              <a:tailEnd type="none" w="med" len="med"/>
-            </a:ln>
-          </p:spPr>
-        </p:cxnSp>
-        <p:cxnSp>
-          <p:nvCxnSpPr>
-            <p:cNvPr id="13" name="Google Shape;126;p17"/>
-            <p:cNvCxnSpPr/>
-            <p:nvPr/>
-          </p:nvCxnSpPr>
-          <p:spPr>
-            <a:xfrm>
-              <a:off x="3345288" y="1288325"/>
-              <a:ext cx="0" cy="2283300"/>
-            </a:xfrm>
-            <a:prstGeom prst="straightConnector1">
-              <a:avLst/>
-            </a:prstGeom>
-            <a:noFill/>
-            <a:ln w="9525" cap="flat" cmpd="sng">
-              <a:solidFill>
-                <a:srgbClr val="FFFFFF"/>
-              </a:solidFill>
-              <a:prstDash val="solid"/>
-              <a:round/>
-              <a:headEnd type="triangle" w="sm" len="sm"/>
-              <a:tailEnd type="triangle" w="sm" len="sm"/>
-            </a:ln>
-          </p:spPr>
-        </p:cxnSp>
-        <p:cxnSp>
-          <p:nvCxnSpPr>
-            <p:cNvPr id="14" name="Google Shape;127;p17"/>
-            <p:cNvCxnSpPr>
-              <a:stCxn id="6" idx="3"/>
-            </p:cNvCxnSpPr>
-            <p:nvPr/>
-          </p:nvCxnSpPr>
-          <p:spPr>
-            <a:xfrm flipH="1">
-              <a:off x="3468663" y="2895276"/>
-              <a:ext cx="676500" cy="676500"/>
-            </a:xfrm>
-            <a:prstGeom prst="straightConnector1">
-              <a:avLst/>
-            </a:prstGeom>
-            <a:noFill/>
-            <a:ln w="9525" cap="flat" cmpd="sng">
-              <a:solidFill>
-                <a:srgbClr val="FFFFFF"/>
-              </a:solidFill>
-              <a:prstDash val="dash"/>
-              <a:round/>
-              <a:headEnd type="none" w="med" len="med"/>
-              <a:tailEnd type="none" w="med" len="med"/>
-            </a:ln>
-          </p:spPr>
-        </p:cxnSp>
-      </p:grpSp>
+        </p:nvCxnSpPr>
+        <p:spPr>
+          <a:xfrm>
+            <a:off x="2657475" y="4022044"/>
+            <a:ext cx="989087" cy="0"/>
+          </a:xfrm>
+          <a:prstGeom prst="straightConnector1">
+            <a:avLst/>
+          </a:prstGeom>
+          <a:noFill/>
+          <a:ln w="9525" cap="flat" cmpd="sng">
+            <a:solidFill>
+              <a:srgbClr val="FFFFFF"/>
+            </a:solidFill>
+            <a:prstDash val="solid"/>
+            <a:round/>
+            <a:headEnd type="none" w="med" len="med"/>
+            <a:tailEnd type="triangle" w="med" len="med"/>
+          </a:ln>
+        </p:spPr>
+      </p:cxnSp>
+      <p:cxnSp>
+        <p:nvCxnSpPr>
+          <p:cNvPr id="27" name="Google Shape;21;p3"/>
+          <p:cNvCxnSpPr/>
+          <p:nvPr/>
+        </p:nvCxnSpPr>
+        <p:spPr>
+          <a:xfrm>
+            <a:off x="5543550" y="4022044"/>
+            <a:ext cx="1084337" cy="0"/>
+          </a:xfrm>
+          <a:prstGeom prst="straightConnector1">
+            <a:avLst/>
+          </a:prstGeom>
+          <a:noFill/>
+          <a:ln w="9525" cap="flat" cmpd="sng">
+            <a:solidFill>
+              <a:srgbClr val="FFFFFF"/>
+            </a:solidFill>
+            <a:prstDash val="solid"/>
+            <a:round/>
+            <a:headEnd type="none" w="med" len="med"/>
+            <a:tailEnd type="triangle" w="med" len="med"/>
+          </a:ln>
+        </p:spPr>
+      </p:cxnSp>
     </p:spTree>
     <p:extLst>
       <p:ext uri="{BB962C8B-B14F-4D97-AF65-F5344CB8AC3E}">
-        <p14:creationId xmlns:p14="http://schemas.microsoft.com/office/powerpoint/2010/main" val="2768525835"/>
+        <p14:creationId xmlns:p14="http://schemas.microsoft.com/office/powerpoint/2010/main" val="1093164846"/>
       </p:ext>
     </p:extLst>
   </p:cSld>
@@ -12818,7 +11572,7 @@
     </p:spTree>
     <p:extLst>
       <p:ext uri="{BB962C8B-B14F-4D97-AF65-F5344CB8AC3E}">
-        <p14:creationId xmlns:p14="http://schemas.microsoft.com/office/powerpoint/2010/main" val="1093164846"/>
+        <p14:creationId xmlns:p14="http://schemas.microsoft.com/office/powerpoint/2010/main" val="3512740633"/>
       </p:ext>
     </p:extLst>
   </p:cSld>
@@ -14579,11 +13333,7 @@
           <a:p>
             <a:r>
               <a:rPr lang="zh-CN" altLang="en-US" dirty="0" smtClean="0"/>
-              <a:t>架构</a:t>
-            </a:r>
-            <a:r>
-              <a:rPr lang="zh-CN" altLang="en-US" dirty="0" smtClean="0"/>
-              <a:t>篇</a:t>
+              <a:t>架构篇</a:t>
             </a:r>
             <a:endParaRPr lang="zh-CN" altLang="en-US" dirty="0"/>
           </a:p>
@@ -15049,6 +13799,13 @@
   <p:clrMapOvr>
     <a:masterClrMapping/>
   </p:clrMapOvr>
+  <p:timing>
+    <p:tnLst>
+      <p:par>
+        <p:cTn id="1" dur="indefinite" restart="never" nodeType="tmRoot"/>
+      </p:par>
+    </p:tnLst>
+  </p:timing>
 </p:sld>
 </file>
 
@@ -16315,6 +15072,13 @@
   <p:clrMapOvr>
     <a:masterClrMapping/>
   </p:clrMapOvr>
+  <p:timing>
+    <p:tnLst>
+      <p:par>
+        <p:cTn id="1" dur="indefinite" restart="never" nodeType="tmRoot"/>
+      </p:par>
+    </p:tnLst>
+  </p:timing>
 </p:sld>
 </file>
 
@@ -17802,6 +16566,13 @@
   <p:clrMapOvr>
     <a:masterClrMapping/>
   </p:clrMapOvr>
+  <p:timing>
+    <p:tnLst>
+      <p:par>
+        <p:cTn id="1" dur="indefinite" restart="never" nodeType="tmRoot"/>
+      </p:par>
+    </p:tnLst>
+  </p:timing>
 </p:sld>
 </file>
 
